--- a/attachments/2023_OrCAD_사용법.pptx
+++ b/attachments/2023_OrCAD_사용법.pptx
@@ -22,21 +22,16 @@
   <p:notesSz cx="12192000" cy="6858000"/>
   <p:embeddedFontLst>
     <p:embeddedFont>
-      <p:font typeface="맑은 고딕" panose="020B0503020000020004" pitchFamily="50" charset="-127"/>
+      <p:font typeface="Calibri" panose="020F0502020204030204" pitchFamily="34" charset="0"/>
       <p:regular r:id="rId14"/>
       <p:bold r:id="rId15"/>
+      <p:italic r:id="rId16"/>
+      <p:boldItalic r:id="rId17"/>
     </p:embeddedFont>
     <p:embeddedFont>
       <p:font typeface="맑은 고딕" panose="020B0503020000020004" pitchFamily="50" charset="-127"/>
-      <p:regular r:id="rId14"/>
-      <p:bold r:id="rId15"/>
-    </p:embeddedFont>
-    <p:embeddedFont>
-      <p:font typeface="Calibri" panose="020F0502020204030204" pitchFamily="34" charset="0"/>
-      <p:regular r:id="rId16"/>
-      <p:bold r:id="rId17"/>
-      <p:italic r:id="rId18"/>
-      <p:boldItalic r:id="rId19"/>
+      <p:regular r:id="rId18"/>
+      <p:bold r:id="rId19"/>
     </p:embeddedFont>
   </p:embeddedFontLst>
   <p:defaultTextStyle>
@@ -260,7 +255,7 @@
           <a:p>
             <a:fld id="{C16525B2-4347-4F72-BAF7-76B19438D329}" type="datetimeFigureOut">
               <a:rPr lang="en-US" smtClean="0"/>
-              <a:t>1/13/2023</a:t>
+              <a:t>2/15/2024</a:t>
             </a:fld>
             <a:endParaRPr lang="en-US"/>
           </a:p>
@@ -441,7 +436,7 @@
           <a:p>
             <a:fld id="{A553FF46-F85F-4F98-B7D8-8071ECBD902A}" type="datetimeFigureOut">
               <a:rPr lang="ko-KR" altLang="en-US" smtClean="0"/>
-              <a:t>2023-01-13</a:t>
+              <a:t>2024-02-15</a:t>
             </a:fld>
             <a:endParaRPr lang="ko-KR" altLang="en-US"/>
           </a:p>
@@ -681,7 +676,7 @@
           <a:p>
             <a:fld id="{1D8BD707-D9CF-40AE-B4C6-C98DA3205C09}" type="datetimeFigureOut">
               <a:rPr lang="en-US"/>
-              <a:t>1/13/2023</a:t>
+              <a:t>2/15/2024</a:t>
             </a:fld>
             <a:endParaRPr lang="en-US"/>
           </a:p>
@@ -3148,8 +3143,8 @@
         </p:nvSpPr>
         <p:spPr>
           <a:xfrm>
-            <a:off x="4197350" y="1120051"/>
-            <a:ext cx="2454579" cy="342561"/>
+            <a:off x="3935760" y="1120051"/>
+            <a:ext cx="2716169" cy="284245"/>
           </a:xfrm>
           <a:prstGeom prst="rect">
             <a:avLst/>
@@ -3173,7 +3168,17 @@
               </a:spcAft>
             </a:pPr>
             <a:r>
-              <a:rPr sz="1800" dirty="0">
+              <a:rPr lang="en-US" sz="1800" dirty="0">
+                <a:solidFill>
+                  <a:srgbClr val="000000"/>
+                </a:solidFill>
+                <a:latin typeface="Malgun Gothic"/>
+                <a:cs typeface="Malgun Gothic"/>
+              </a:rPr>
+              <a:t>4. </a:t>
+            </a:r>
+            <a:r>
+              <a:rPr sz="1800" dirty="0" err="1">
                 <a:solidFill>
                   <a:srgbClr val="000000"/>
                 </a:solidFill>
@@ -3254,7 +3259,7 @@
         <p:spPr>
           <a:xfrm>
             <a:off x="341071" y="2591854"/>
-            <a:ext cx="1187673" cy="617188"/>
+            <a:ext cx="1362441" cy="569708"/>
           </a:xfrm>
           <a:prstGeom prst="rect">
             <a:avLst/>
@@ -3278,6 +3283,16 @@
               </a:spcAft>
             </a:pPr>
             <a:r>
+              <a:rPr lang="en-US" sz="1800" dirty="0">
+                <a:solidFill>
+                  <a:srgbClr val="000000"/>
+                </a:solidFill>
+                <a:latin typeface="Malgun Gothic"/>
+                <a:cs typeface="Malgun Gothic"/>
+              </a:rPr>
+              <a:t>1. </a:t>
+            </a:r>
+            <a:r>
               <a:rPr sz="1800" dirty="0">
                 <a:solidFill>
                   <a:srgbClr val="000000"/>
@@ -3341,8 +3356,8 @@
         </p:nvSpPr>
         <p:spPr>
           <a:xfrm>
-            <a:off x="7982457" y="5810925"/>
-            <a:ext cx="2828798" cy="342155"/>
+            <a:off x="7608168" y="5810925"/>
+            <a:ext cx="3203087" cy="284245"/>
           </a:xfrm>
           <a:prstGeom prst="rect">
             <a:avLst/>
@@ -3366,7 +3381,17 @@
               </a:spcAft>
             </a:pPr>
             <a:r>
-              <a:rPr sz="1800" dirty="0">
+              <a:rPr lang="en-US" sz="1800" dirty="0">
+                <a:solidFill>
+                  <a:srgbClr val="000000"/>
+                </a:solidFill>
+                <a:latin typeface="Malgun Gothic"/>
+                <a:cs typeface="Malgun Gothic"/>
+              </a:rPr>
+              <a:t>3. </a:t>
+            </a:r>
+            <a:r>
+              <a:rPr sz="1800" dirty="0" err="1">
                 <a:solidFill>
                   <a:srgbClr val="000000"/>
                 </a:solidFill>
@@ -3426,8 +3451,8 @@
         </p:nvSpPr>
         <p:spPr>
           <a:xfrm>
-            <a:off x="2696845" y="6437289"/>
-            <a:ext cx="1905634" cy="342155"/>
+            <a:off x="2495600" y="6437289"/>
+            <a:ext cx="2106879" cy="281167"/>
           </a:xfrm>
           <a:prstGeom prst="rect">
             <a:avLst/>
@@ -3450,6 +3475,16 @@
                 <a:spcPts val="0"/>
               </a:spcAft>
             </a:pPr>
+            <a:r>
+              <a:rPr lang="en-US" sz="1800" dirty="0">
+                <a:solidFill>
+                  <a:srgbClr val="000000"/>
+                </a:solidFill>
+                <a:latin typeface="Malgun Gothic"/>
+                <a:cs typeface="Malgun Gothic"/>
+              </a:rPr>
+              <a:t>2. </a:t>
+            </a:r>
             <a:r>
               <a:rPr sz="1800" dirty="0">
                 <a:solidFill>
